--- a/Documents/Идея Практика Проект.pptx
+++ b/Documents/Идея Практика Проект.pptx
@@ -2,67 +2,68 @@
 <file path=ppt/presentation.xml><?xml version="1.0" encoding="utf-8"?>
 <p:presentation xmlns:a="http://schemas.openxmlformats.org/drawingml/2006/main" xmlns:r="http://schemas.openxmlformats.org/officeDocument/2006/relationships" xmlns:p="http://schemas.openxmlformats.org/presentationml/2006/main" strictFirstAndLastChars="0" embedTrueTypeFonts="1" saveSubsetFonts="1" autoCompressPictures="0">
   <p:sldMasterIdLst>
-    <p:sldMasterId id="2147483687" r:id="rId1"/>
-    <p:sldMasterId id="2147483688" r:id="rId2"/>
+    <p:sldMasterId id="2147483687" r:id="rId4"/>
+    <p:sldMasterId id="2147483688" r:id="rId5"/>
   </p:sldMasterIdLst>
   <p:notesMasterIdLst>
-    <p:notesMasterId r:id="rId12"/>
+    <p:notesMasterId r:id="rId16"/>
   </p:notesMasterIdLst>
   <p:sldIdLst>
-    <p:sldId id="256" r:id="rId3"/>
-    <p:sldId id="257" r:id="rId4"/>
-    <p:sldId id="312" r:id="rId5"/>
-    <p:sldId id="313" r:id="rId6"/>
-    <p:sldId id="314" r:id="rId7"/>
-    <p:sldId id="315" r:id="rId8"/>
-    <p:sldId id="316" r:id="rId9"/>
-    <p:sldId id="319" r:id="rId10"/>
-    <p:sldId id="318" r:id="rId11"/>
+    <p:sldId id="312" r:id="rId6"/>
+    <p:sldId id="315" r:id="rId7"/>
+    <p:sldId id="316" r:id="rId8"/>
+    <p:sldId id="320" r:id="rId9"/>
+    <p:sldId id="318" r:id="rId10"/>
+    <p:sldId id="319" r:id="rId11"/>
+    <p:sldId id="256" r:id="rId12"/>
+    <p:sldId id="257" r:id="rId13"/>
+    <p:sldId id="313" r:id="rId14"/>
+    <p:sldId id="314" r:id="rId15"/>
   </p:sldIdLst>
   <p:sldSz cx="9144000" cy="5143500" type="screen16x9"/>
   <p:notesSz cx="6858000" cy="9144000"/>
   <p:embeddedFontLst>
     <p:embeddedFont>
       <p:font typeface="Bebas Neue" panose="020B0606020202050201" pitchFamily="34" charset="0"/>
-      <p:regular r:id="rId13"/>
+      <p:regular r:id="rId17"/>
     </p:embeddedFont>
     <p:embeddedFont>
       <p:font typeface="Calisto MT" panose="02040603050505030304" pitchFamily="18" charset="0"/>
-      <p:regular r:id="rId14"/>
-      <p:bold r:id="rId15"/>
-      <p:italic r:id="rId16"/>
-      <p:boldItalic r:id="rId17"/>
-    </p:embeddedFont>
-    <p:embeddedFont>
-      <p:font typeface="Cambria" panose="02040503050406030204" pitchFamily="18" charset="0"/>
       <p:regular r:id="rId18"/>
       <p:bold r:id="rId19"/>
       <p:italic r:id="rId20"/>
       <p:boldItalic r:id="rId21"/>
     </p:embeddedFont>
     <p:embeddedFont>
+      <p:font typeface="Cambria" panose="02040503050406030204" pitchFamily="18" charset="0"/>
+      <p:regular r:id="rId22"/>
+      <p:bold r:id="rId23"/>
+      <p:italic r:id="rId24"/>
+      <p:boldItalic r:id="rId25"/>
+    </p:embeddedFont>
+    <p:embeddedFont>
       <p:font typeface="Coiny" panose="020B0604020202020204" charset="0"/>
-      <p:regular r:id="rId22"/>
+      <p:regular r:id="rId26"/>
     </p:embeddedFont>
     <p:embeddedFont>
       <p:font typeface="Poppins" panose="00000500000000000000" pitchFamily="2" charset="0"/>
-      <p:regular r:id="rId23"/>
-      <p:bold r:id="rId24"/>
-      <p:italic r:id="rId25"/>
-      <p:boldItalic r:id="rId26"/>
-    </p:embeddedFont>
-    <p:embeddedFont>
-      <p:font typeface="Proxima Nova" panose="020B0604020202020204" charset="0"/>
       <p:regular r:id="rId27"/>
       <p:bold r:id="rId28"/>
       <p:italic r:id="rId29"/>
       <p:boldItalic r:id="rId30"/>
     </p:embeddedFont>
     <p:embeddedFont>
-      <p:font typeface="Proxima Nova Semibold" panose="020B0604020202020204" charset="0"/>
+      <p:font typeface="Proxima Nova" panose="020B0604020202020204" charset="0"/>
       <p:regular r:id="rId31"/>
       <p:bold r:id="rId32"/>
-      <p:boldItalic r:id="rId33"/>
+      <p:italic r:id="rId33"/>
+      <p:boldItalic r:id="rId34"/>
+    </p:embeddedFont>
+    <p:embeddedFont>
+      <p:font typeface="Proxima Nova Semibold" panose="020B0604020202020204" charset="0"/>
+      <p:regular r:id="rId35"/>
+      <p:bold r:id="rId36"/>
+      <p:boldItalic r:id="rId37"/>
     </p:embeddedFont>
   </p:embeddedFontLst>
   <p:defaultTextStyle>
@@ -295,6 +296,28 @@
     </a:lvl9pPr>
   </p:defaultTextStyle>
   <p:extLst>
+    <p:ext uri="{521415D9-36F7-43E2-AB2F-B90AF26B5E84}">
+      <p14:sectionLst xmlns:p14="http://schemas.microsoft.com/office/powerpoint/2010/main">
+        <p14:section name="main" id="{987DF92C-BD0B-4DE5-84ED-0EBA65C7B61A}">
+          <p14:sldIdLst>
+            <p14:sldId id="312"/>
+            <p14:sldId id="315"/>
+            <p14:sldId id="316"/>
+            <p14:sldId id="320"/>
+            <p14:sldId id="318"/>
+          </p14:sldIdLst>
+        </p14:section>
+        <p14:section name="nepipai" id="{E8AF0CB6-6F12-405A-B2EA-283F9F1A4549}">
+          <p14:sldIdLst>
+            <p14:sldId id="319"/>
+            <p14:sldId id="256"/>
+            <p14:sldId id="257"/>
+            <p14:sldId id="313"/>
+            <p14:sldId id="314"/>
+          </p14:sldIdLst>
+        </p14:section>
+      </p14:sectionLst>
+    </p:ext>
     <p:ext uri="{EFAFB233-063F-42B5-8137-9DF3F51BA10A}">
       <p15:sldGuideLst xmlns:p15="http://schemas.microsoft.com/office/powerpoint/2012/main">
         <p15:guide id="1" orient="horz" pos="1620">
@@ -10374,530 +10397,6 @@
   <p:cSld>
     <p:spTree>
       <p:nvGrpSpPr>
-        <p:cNvPr id="1" name="Shape 350"/>
-        <p:cNvGrpSpPr/>
-        <p:nvPr/>
-      </p:nvGrpSpPr>
-      <p:grpSpPr>
-        <a:xfrm>
-          <a:off x="0" y="0"/>
-          <a:ext cx="0" cy="0"/>
-          <a:chOff x="0" y="0"/>
-          <a:chExt cx="0" cy="0"/>
-        </a:xfrm>
-      </p:grpSpPr>
-      <p:sp>
-        <p:nvSpPr>
-          <p:cNvPr id="351" name="Google Shape;351;p42"/>
-          <p:cNvSpPr txBox="1">
-            <a:spLocks noGrp="1"/>
-          </p:cNvSpPr>
-          <p:nvPr>
-            <p:ph type="ctrTitle"/>
-          </p:nvPr>
-        </p:nvSpPr>
-        <p:spPr>
-          <a:xfrm>
-            <a:off x="713225" y="773675"/>
-            <a:ext cx="4643635" cy="2504055"/>
-          </a:xfrm>
-          <a:prstGeom prst="rect">
-            <a:avLst/>
-          </a:prstGeom>
-        </p:spPr>
-        <p:txBody>
-          <a:bodyPr spcFirstLastPara="1" wrap="square" lIns="91425" tIns="91425" rIns="91425" bIns="91425" anchor="b" anchorCtr="0">
-            <a:noAutofit/>
-          </a:bodyPr>
-          <a:lstStyle/>
-          <a:p>
-            <a:pPr marL="0" lvl="0" indent="0" algn="l" rtl="0">
-              <a:spcBef>
-                <a:spcPts val="0"/>
-              </a:spcBef>
-              <a:spcAft>
-                <a:spcPts val="0"/>
-              </a:spcAft>
-              <a:buNone/>
-            </a:pPr>
-            <a:r>
-              <a:rPr lang="bg-BG" sz="6100" dirty="0">
-                <a:latin typeface="Cambria" panose="02040503050406030204" pitchFamily="18" charset="0"/>
-                <a:ea typeface="Cambria" panose="02040503050406030204" pitchFamily="18" charset="0"/>
-              </a:rPr>
-              <a:t>Практика – идея за приложение </a:t>
-            </a:r>
-            <a:endParaRPr sz="6100" dirty="0">
-              <a:latin typeface="Cambria" panose="02040503050406030204" pitchFamily="18" charset="0"/>
-              <a:ea typeface="Cambria" panose="02040503050406030204" pitchFamily="18" charset="0"/>
-            </a:endParaRPr>
-          </a:p>
-        </p:txBody>
-      </p:sp>
-      <p:sp>
-        <p:nvSpPr>
-          <p:cNvPr id="352" name="Google Shape;352;p42"/>
-          <p:cNvSpPr txBox="1">
-            <a:spLocks noGrp="1"/>
-          </p:cNvSpPr>
-          <p:nvPr>
-            <p:ph type="subTitle" idx="1"/>
-          </p:nvPr>
-        </p:nvSpPr>
-        <p:spPr>
-          <a:xfrm>
-            <a:off x="2831585" y="4108172"/>
-            <a:ext cx="2898655" cy="523305"/>
-          </a:xfrm>
-          <a:prstGeom prst="rect">
-            <a:avLst/>
-          </a:prstGeom>
-        </p:spPr>
-        <p:txBody>
-          <a:bodyPr spcFirstLastPara="1" wrap="square" lIns="91425" tIns="91425" rIns="91425" bIns="91425" anchor="t" anchorCtr="0">
-            <a:noAutofit/>
-          </a:bodyPr>
-          <a:lstStyle/>
-          <a:p>
-            <a:pPr marL="0" lvl="0" indent="0" algn="l" rtl="0">
-              <a:spcBef>
-                <a:spcPts val="0"/>
-              </a:spcBef>
-              <a:spcAft>
-                <a:spcPts val="0"/>
-              </a:spcAft>
-              <a:buNone/>
-            </a:pPr>
-            <a:r>
-              <a:rPr lang="bg-BG" dirty="0">
-                <a:latin typeface="Cambria" panose="02040503050406030204" pitchFamily="18" charset="0"/>
-                <a:ea typeface="Cambria" panose="02040503050406030204" pitchFamily="18" charset="0"/>
-              </a:rPr>
-              <a:t>Александра Стайкова 11В</a:t>
-            </a:r>
-            <a:endParaRPr dirty="0">
-              <a:latin typeface="Cambria" panose="02040503050406030204" pitchFamily="18" charset="0"/>
-              <a:ea typeface="Cambria" panose="02040503050406030204" pitchFamily="18" charset="0"/>
-            </a:endParaRPr>
-          </a:p>
-        </p:txBody>
-      </p:sp>
-      <p:sp>
-        <p:nvSpPr>
-          <p:cNvPr id="5" name="Picture Placeholder 4">
-            <a:extLst>
-              <a:ext uri="{FF2B5EF4-FFF2-40B4-BE49-F238E27FC236}">
-                <a16:creationId xmlns:a16="http://schemas.microsoft.com/office/drawing/2014/main" id="{CF609DC6-AC12-4186-856A-1B903CB95DB2}"/>
-              </a:ext>
-            </a:extLst>
-          </p:cNvPr>
-          <p:cNvSpPr>
-            <a:spLocks noGrp="1"/>
-          </p:cNvSpPr>
-          <p:nvPr>
-            <p:ph type="pic" idx="2"/>
-          </p:nvPr>
-        </p:nvSpPr>
-        <p:spPr>
-          <a:xfrm>
-            <a:off x="6290117" y="867680"/>
-            <a:ext cx="4820100" cy="4820100"/>
-          </a:xfrm>
-        </p:spPr>
-      </p:sp>
-    </p:spTree>
-  </p:cSld>
-  <p:clrMapOvr>
-    <a:masterClrMapping/>
-  </p:clrMapOvr>
-  <mc:AlternateContent xmlns:mc="http://schemas.openxmlformats.org/markup-compatibility/2006" xmlns:p14="http://schemas.microsoft.com/office/powerpoint/2010/main">
-    <mc:Choice Requires="p14">
-      <p:transition spd="slow" p14:dur="2000">
-        <p14:reveal/>
-      </p:transition>
-    </mc:Choice>
-    <mc:Fallback xmlns="">
-      <p:transition spd="slow">
-        <p:fade/>
-      </p:transition>
-    </mc:Fallback>
-  </mc:AlternateContent>
-</p:sld>
-</file>
-
-<file path=ppt/slides/slide2.xml><?xml version="1.0" encoding="utf-8"?>
-<p:sld xmlns:a="http://schemas.openxmlformats.org/drawingml/2006/main" xmlns:r="http://schemas.openxmlformats.org/officeDocument/2006/relationships" xmlns:p="http://schemas.openxmlformats.org/presentationml/2006/main">
-  <p:cSld>
-    <p:spTree>
-      <p:nvGrpSpPr>
-        <p:cNvPr id="1" name="Shape 358"/>
-        <p:cNvGrpSpPr/>
-        <p:nvPr/>
-      </p:nvGrpSpPr>
-      <p:grpSpPr>
-        <a:xfrm>
-          <a:off x="0" y="0"/>
-          <a:ext cx="0" cy="0"/>
-          <a:chOff x="0" y="0"/>
-          <a:chExt cx="0" cy="0"/>
-        </a:xfrm>
-      </p:grpSpPr>
-      <p:sp>
-        <p:nvSpPr>
-          <p:cNvPr id="359" name="Google Shape;359;p43"/>
-          <p:cNvSpPr txBox="1">
-            <a:spLocks noGrp="1"/>
-          </p:cNvSpPr>
-          <p:nvPr>
-            <p:ph type="title"/>
-          </p:nvPr>
-        </p:nvSpPr>
-        <p:spPr>
-          <a:xfrm>
-            <a:off x="720000" y="539500"/>
-            <a:ext cx="7704000" cy="572700"/>
-          </a:xfrm>
-          <a:prstGeom prst="rect">
-            <a:avLst/>
-          </a:prstGeom>
-        </p:spPr>
-        <p:txBody>
-          <a:bodyPr spcFirstLastPara="1" wrap="square" lIns="91425" tIns="91425" rIns="91425" bIns="91425" anchor="t" anchorCtr="0">
-            <a:noAutofit/>
-          </a:bodyPr>
-          <a:lstStyle/>
-          <a:p>
-            <a:pPr marL="0" lvl="0" indent="0" algn="ctr" rtl="0">
-              <a:spcBef>
-                <a:spcPts val="0"/>
-              </a:spcBef>
-              <a:spcAft>
-                <a:spcPts val="0"/>
-              </a:spcAft>
-              <a:buNone/>
-            </a:pPr>
-            <a:r>
-              <a:rPr lang="bg-BG" dirty="0">
-                <a:solidFill>
-                  <a:schemeClr val="lt2"/>
-                </a:solidFill>
-              </a:rPr>
-              <a:t>Съдържание на презентацията</a:t>
-            </a:r>
-            <a:endParaRPr dirty="0">
-              <a:solidFill>
-                <a:schemeClr val="dk1"/>
-              </a:solidFill>
-            </a:endParaRPr>
-          </a:p>
-        </p:txBody>
-      </p:sp>
-      <p:sp>
-        <p:nvSpPr>
-          <p:cNvPr id="361" name="Google Shape;361;p43"/>
-          <p:cNvSpPr txBox="1"/>
-          <p:nvPr/>
-        </p:nvSpPr>
-        <p:spPr>
-          <a:xfrm>
-            <a:off x="940980" y="1674645"/>
-            <a:ext cx="3631020" cy="1472416"/>
-          </a:xfrm>
-          <a:prstGeom prst="rect">
-            <a:avLst/>
-          </a:prstGeom>
-          <a:noFill/>
-          <a:ln>
-            <a:noFill/>
-          </a:ln>
-        </p:spPr>
-        <p:txBody>
-          <a:bodyPr spcFirstLastPara="1" wrap="square" lIns="91425" tIns="91425" rIns="0" bIns="91425" anchor="t" anchorCtr="0">
-            <a:noAutofit/>
-          </a:bodyPr>
-          <a:lstStyle/>
-          <a:p>
-            <a:pPr marL="171450" lvl="0" indent="-171450" algn="l" rtl="0">
-              <a:lnSpc>
-                <a:spcPct val="200000"/>
-              </a:lnSpc>
-              <a:spcBef>
-                <a:spcPts val="0"/>
-              </a:spcBef>
-              <a:spcAft>
-                <a:spcPts val="0"/>
-              </a:spcAft>
-              <a:buFont typeface="Arial" panose="020B0604020202020204" pitchFamily="34" charset="0"/>
-              <a:buChar char="•"/>
-            </a:pPr>
-            <a:r>
-              <a:rPr lang="ru-RU" sz="1600" dirty="0">
-                <a:solidFill>
-                  <a:schemeClr val="lt2"/>
-                </a:solidFill>
-                <a:latin typeface="Cambria" panose="02040503050406030204" pitchFamily="18" charset="0"/>
-                <a:ea typeface="Cambria" panose="02040503050406030204" pitchFamily="18" charset="0"/>
-                <a:cs typeface="Poppins"/>
-                <a:sym typeface="Poppins"/>
-              </a:rPr>
-              <a:t>Кратко </a:t>
-            </a:r>
-            <a:r>
-              <a:rPr lang="ru-RU" sz="1600" dirty="0" err="1">
-                <a:solidFill>
-                  <a:schemeClr val="lt2"/>
-                </a:solidFill>
-                <a:latin typeface="Cambria" panose="02040503050406030204" pitchFamily="18" charset="0"/>
-                <a:ea typeface="Cambria" panose="02040503050406030204" pitchFamily="18" charset="0"/>
-                <a:cs typeface="Poppins"/>
-                <a:sym typeface="Poppins"/>
-              </a:rPr>
-              <a:t>въведение</a:t>
-            </a:r>
-            <a:r>
-              <a:rPr lang="ru-RU" sz="1600" dirty="0">
-                <a:solidFill>
-                  <a:schemeClr val="lt2"/>
-                </a:solidFill>
-                <a:latin typeface="Cambria" panose="02040503050406030204" pitchFamily="18" charset="0"/>
-                <a:ea typeface="Cambria" panose="02040503050406030204" pitchFamily="18" charset="0"/>
-                <a:cs typeface="Poppins"/>
-                <a:sym typeface="Poppins"/>
-              </a:rPr>
-              <a:t> на </a:t>
-            </a:r>
-            <a:r>
-              <a:rPr lang="ru-RU" sz="1600" dirty="0" err="1">
-                <a:solidFill>
-                  <a:schemeClr val="lt2"/>
-                </a:solidFill>
-                <a:latin typeface="Cambria" panose="02040503050406030204" pitchFamily="18" charset="0"/>
-                <a:ea typeface="Cambria" panose="02040503050406030204" pitchFamily="18" charset="0"/>
-                <a:cs typeface="Poppins"/>
-                <a:sym typeface="Poppins"/>
-              </a:rPr>
-              <a:t>идеята</a:t>
-            </a:r>
-            <a:endParaRPr lang="ru-RU" sz="1600" dirty="0">
-              <a:solidFill>
-                <a:schemeClr val="lt2"/>
-              </a:solidFill>
-              <a:latin typeface="Cambria" panose="02040503050406030204" pitchFamily="18" charset="0"/>
-              <a:ea typeface="Cambria" panose="02040503050406030204" pitchFamily="18" charset="0"/>
-              <a:cs typeface="Poppins"/>
-              <a:sym typeface="Poppins"/>
-            </a:endParaRPr>
-          </a:p>
-          <a:p>
-            <a:pPr marL="171450" lvl="0" indent="-171450" algn="l" rtl="0">
-              <a:lnSpc>
-                <a:spcPct val="200000"/>
-              </a:lnSpc>
-              <a:spcBef>
-                <a:spcPts val="0"/>
-              </a:spcBef>
-              <a:spcAft>
-                <a:spcPts val="0"/>
-              </a:spcAft>
-              <a:buFont typeface="Arial" panose="020B0604020202020204" pitchFamily="34" charset="0"/>
-              <a:buChar char="•"/>
-            </a:pPr>
-            <a:r>
-              <a:rPr lang="ru-RU" sz="1600" dirty="0">
-                <a:solidFill>
-                  <a:schemeClr val="lt2"/>
-                </a:solidFill>
-                <a:latin typeface="Cambria" panose="02040503050406030204" pitchFamily="18" charset="0"/>
-                <a:ea typeface="Cambria" panose="02040503050406030204" pitchFamily="18" charset="0"/>
-                <a:cs typeface="Poppins"/>
-                <a:sym typeface="Poppins"/>
-              </a:rPr>
-              <a:t>План за </a:t>
-            </a:r>
-            <a:r>
-              <a:rPr lang="ru-RU" sz="1600" dirty="0" err="1">
-                <a:solidFill>
-                  <a:schemeClr val="lt2"/>
-                </a:solidFill>
-                <a:latin typeface="Cambria" panose="02040503050406030204" pitchFamily="18" charset="0"/>
-                <a:ea typeface="Cambria" panose="02040503050406030204" pitchFamily="18" charset="0"/>
-                <a:cs typeface="Poppins"/>
-                <a:sym typeface="Poppins"/>
-              </a:rPr>
-              <a:t>реализиране</a:t>
-            </a:r>
-            <a:endParaRPr lang="ru-RU" sz="1600" dirty="0">
-              <a:solidFill>
-                <a:schemeClr val="lt2"/>
-              </a:solidFill>
-              <a:latin typeface="Cambria" panose="02040503050406030204" pitchFamily="18" charset="0"/>
-              <a:ea typeface="Cambria" panose="02040503050406030204" pitchFamily="18" charset="0"/>
-              <a:cs typeface="Poppins"/>
-              <a:sym typeface="Poppins"/>
-            </a:endParaRPr>
-          </a:p>
-          <a:p>
-            <a:pPr marL="171450" lvl="0" indent="-171450" algn="l" rtl="0">
-              <a:lnSpc>
-                <a:spcPct val="200000"/>
-              </a:lnSpc>
-              <a:spcBef>
-                <a:spcPts val="0"/>
-              </a:spcBef>
-              <a:spcAft>
-                <a:spcPts val="0"/>
-              </a:spcAft>
-              <a:buFont typeface="Arial" panose="020B0604020202020204" pitchFamily="34" charset="0"/>
-              <a:buChar char="•"/>
-            </a:pPr>
-            <a:r>
-              <a:rPr lang="ru-RU" sz="1600" dirty="0" err="1">
-                <a:solidFill>
-                  <a:schemeClr val="lt2"/>
-                </a:solidFill>
-                <a:latin typeface="Cambria" panose="02040503050406030204" pitchFamily="18" charset="0"/>
-                <a:ea typeface="Cambria" panose="02040503050406030204" pitchFamily="18" charset="0"/>
-                <a:cs typeface="Poppins"/>
-                <a:sym typeface="Poppins"/>
-              </a:rPr>
-              <a:t>Използвани</a:t>
-            </a:r>
-            <a:r>
-              <a:rPr lang="ru-RU" sz="1600" dirty="0">
-                <a:solidFill>
-                  <a:schemeClr val="lt2"/>
-                </a:solidFill>
-                <a:latin typeface="Cambria" panose="02040503050406030204" pitchFamily="18" charset="0"/>
-                <a:ea typeface="Cambria" panose="02040503050406030204" pitchFamily="18" charset="0"/>
-                <a:cs typeface="Poppins"/>
-                <a:sym typeface="Poppins"/>
-              </a:rPr>
-              <a:t> технологии</a:t>
-            </a:r>
-          </a:p>
-          <a:p>
-            <a:pPr marL="171450" lvl="0" indent="-171450" algn="l" rtl="0">
-              <a:lnSpc>
-                <a:spcPct val="200000"/>
-              </a:lnSpc>
-              <a:spcBef>
-                <a:spcPts val="0"/>
-              </a:spcBef>
-              <a:spcAft>
-                <a:spcPts val="0"/>
-              </a:spcAft>
-              <a:buFont typeface="Arial" panose="020B0604020202020204" pitchFamily="34" charset="0"/>
-              <a:buChar char="•"/>
-            </a:pPr>
-            <a:r>
-              <a:rPr lang="ru-RU" sz="1600" dirty="0" err="1">
-                <a:solidFill>
-                  <a:schemeClr val="lt2"/>
-                </a:solidFill>
-                <a:latin typeface="Cambria" panose="02040503050406030204" pitchFamily="18" charset="0"/>
-                <a:ea typeface="Cambria" panose="02040503050406030204" pitchFamily="18" charset="0"/>
-                <a:cs typeface="Poppins"/>
-                <a:sym typeface="Poppins"/>
-              </a:rPr>
-              <a:t>Целева</a:t>
-            </a:r>
-            <a:r>
-              <a:rPr lang="ru-RU" sz="1600" dirty="0">
-                <a:solidFill>
-                  <a:schemeClr val="lt2"/>
-                </a:solidFill>
-                <a:latin typeface="Cambria" panose="02040503050406030204" pitchFamily="18" charset="0"/>
-                <a:ea typeface="Cambria" panose="02040503050406030204" pitchFamily="18" charset="0"/>
-                <a:cs typeface="Poppins"/>
-                <a:sym typeface="Poppins"/>
-              </a:rPr>
-              <a:t> аудитория</a:t>
-            </a:r>
-            <a:endParaRPr lang="en-US" sz="1600" dirty="0">
-              <a:solidFill>
-                <a:schemeClr val="lt2"/>
-              </a:solidFill>
-              <a:latin typeface="Cambria" panose="02040503050406030204" pitchFamily="18" charset="0"/>
-              <a:ea typeface="Cambria" panose="02040503050406030204" pitchFamily="18" charset="0"/>
-              <a:cs typeface="Poppins"/>
-              <a:sym typeface="Poppins"/>
-            </a:endParaRPr>
-          </a:p>
-          <a:p>
-            <a:pPr marL="171450" lvl="0" indent="-171450" algn="l" rtl="0">
-              <a:lnSpc>
-                <a:spcPct val="200000"/>
-              </a:lnSpc>
-              <a:spcBef>
-                <a:spcPts val="0"/>
-              </a:spcBef>
-              <a:spcAft>
-                <a:spcPts val="0"/>
-              </a:spcAft>
-              <a:buFont typeface="Arial" panose="020B0604020202020204" pitchFamily="34" charset="0"/>
-              <a:buChar char="•"/>
-            </a:pPr>
-            <a:r>
-              <a:rPr lang="bg-BG" sz="1600" dirty="0">
-                <a:solidFill>
-                  <a:schemeClr val="lt2"/>
-                </a:solidFill>
-                <a:latin typeface="Cambria" panose="02040503050406030204" pitchFamily="18" charset="0"/>
-                <a:ea typeface="Cambria" panose="02040503050406030204" pitchFamily="18" charset="0"/>
-                <a:cs typeface="Poppins"/>
-                <a:sym typeface="Poppins"/>
-              </a:rPr>
-              <a:t>Примерен </a:t>
-            </a:r>
-            <a:r>
-              <a:rPr lang="en-US" sz="1600" dirty="0">
-                <a:solidFill>
-                  <a:schemeClr val="lt2"/>
-                </a:solidFill>
-                <a:latin typeface="Cambria" panose="02040503050406030204" pitchFamily="18" charset="0"/>
-                <a:ea typeface="Cambria" panose="02040503050406030204" pitchFamily="18" charset="0"/>
-                <a:cs typeface="Poppins"/>
-                <a:sym typeface="Poppins"/>
-              </a:rPr>
-              <a:t>GUI</a:t>
-            </a:r>
-            <a:endParaRPr lang="ru-RU" sz="1600" dirty="0">
-              <a:solidFill>
-                <a:schemeClr val="lt2"/>
-              </a:solidFill>
-              <a:latin typeface="Cambria" panose="02040503050406030204" pitchFamily="18" charset="0"/>
-              <a:ea typeface="Cambria" panose="02040503050406030204" pitchFamily="18" charset="0"/>
-              <a:cs typeface="Poppins"/>
-              <a:sym typeface="Poppins"/>
-            </a:endParaRPr>
-          </a:p>
-        </p:txBody>
-      </p:sp>
-    </p:spTree>
-  </p:cSld>
-  <p:clrMapOvr>
-    <a:masterClrMapping/>
-  </p:clrMapOvr>
-  <mc:AlternateContent xmlns:mc="http://schemas.openxmlformats.org/markup-compatibility/2006" xmlns:p14="http://schemas.microsoft.com/office/powerpoint/2010/main">
-    <mc:Choice Requires="p14">
-      <p:transition spd="slow" p14:dur="2000">
-        <p14:reveal/>
-      </p:transition>
-    </mc:Choice>
-    <mc:Fallback xmlns="">
-      <p:transition spd="slow">
-        <p:fade/>
-      </p:transition>
-    </mc:Fallback>
-  </mc:AlternateContent>
-</p:sld>
-</file>
-
-<file path=ppt/slides/slide3.xml><?xml version="1.0" encoding="utf-8"?>
-<p:sld xmlns:a="http://schemas.openxmlformats.org/drawingml/2006/main" xmlns:r="http://schemas.openxmlformats.org/officeDocument/2006/relationships" xmlns:p="http://schemas.openxmlformats.org/presentationml/2006/main">
-  <p:cSld>
-    <p:spTree>
-      <p:nvGrpSpPr>
         <p:cNvPr id="1" name=""/>
         <p:cNvGrpSpPr/>
         <p:nvPr/>
@@ -10989,13 +10488,13 @@
   <p:clrMapOvr>
     <a:masterClrMapping/>
   </p:clrMapOvr>
-  <mc:AlternateContent xmlns:mc="http://schemas.openxmlformats.org/markup-compatibility/2006" xmlns:p14="http://schemas.microsoft.com/office/powerpoint/2010/main">
-    <mc:Choice Requires="p14">
-      <p:transition spd="slow" p14:dur="2000">
+  <mc:AlternateContent xmlns:mc="http://schemas.openxmlformats.org/markup-compatibility/2006">
+    <mc:Choice xmlns:p14="http://schemas.microsoft.com/office/powerpoint/2010/main" Requires="p14">
+      <p:transition spd="slow" p14:dur="1500">
         <p14:reveal/>
       </p:transition>
     </mc:Choice>
-    <mc:Fallback xmlns="">
+    <mc:Fallback>
       <p:transition spd="slow">
         <p:fade/>
       </p:transition>
@@ -11004,351 +10503,8 @@
 </p:sld>
 </file>
 
-<file path=ppt/slides/slide4.xml><?xml version="1.0" encoding="utf-8"?>
-<p:sld xmlns:a="http://schemas.openxmlformats.org/drawingml/2006/main" xmlns:r="http://schemas.openxmlformats.org/officeDocument/2006/relationships" xmlns:p="http://schemas.openxmlformats.org/presentationml/2006/main">
-  <p:cSld>
-    <p:spTree>
-      <p:nvGrpSpPr>
-        <p:cNvPr id="1" name=""/>
-        <p:cNvGrpSpPr/>
-        <p:nvPr/>
-      </p:nvGrpSpPr>
-      <p:grpSpPr>
-        <a:xfrm>
-          <a:off x="0" y="0"/>
-          <a:ext cx="0" cy="0"/>
-          <a:chOff x="0" y="0"/>
-          <a:chExt cx="0" cy="0"/>
-        </a:xfrm>
-      </p:grpSpPr>
-      <p:sp>
-        <p:nvSpPr>
-          <p:cNvPr id="2" name="Title 1">
-            <a:extLst>
-              <a:ext uri="{FF2B5EF4-FFF2-40B4-BE49-F238E27FC236}">
-                <a16:creationId xmlns:a16="http://schemas.microsoft.com/office/drawing/2014/main" id="{448C5F27-01E8-EF57-A2D6-75043124F870}"/>
-              </a:ext>
-            </a:extLst>
-          </p:cNvPr>
-          <p:cNvSpPr>
-            <a:spLocks noGrp="1"/>
-          </p:cNvSpPr>
-          <p:nvPr>
-            <p:ph type="title"/>
-          </p:nvPr>
-        </p:nvSpPr>
-        <p:spPr>
-          <a:xfrm>
-            <a:off x="720000" y="638560"/>
-            <a:ext cx="7704000" cy="572700"/>
-          </a:xfrm>
-        </p:spPr>
-        <p:txBody>
-          <a:bodyPr/>
-          <a:lstStyle/>
-          <a:p>
-            <a:r>
-              <a:rPr lang="bg-BG" dirty="0"/>
-              <a:t>План за реализация</a:t>
-            </a:r>
-            <a:endParaRPr lang="en-US" dirty="0"/>
-          </a:p>
-        </p:txBody>
-      </p:sp>
-      <p:sp>
-        <p:nvSpPr>
-          <p:cNvPr id="6" name="Title 5">
-            <a:extLst>
-              <a:ext uri="{FF2B5EF4-FFF2-40B4-BE49-F238E27FC236}">
-                <a16:creationId xmlns:a16="http://schemas.microsoft.com/office/drawing/2014/main" id="{A6A1214E-3FEC-95D9-567A-B2A8DFEA25B9}"/>
-              </a:ext>
-            </a:extLst>
-          </p:cNvPr>
-          <p:cNvSpPr>
-            <a:spLocks noGrp="1"/>
-          </p:cNvSpPr>
-          <p:nvPr>
-            <p:ph type="title" idx="4"/>
-          </p:nvPr>
-        </p:nvSpPr>
-        <p:spPr>
-          <a:xfrm>
-            <a:off x="1253250" y="2019165"/>
-            <a:ext cx="1239000" cy="572700"/>
-          </a:xfrm>
-        </p:spPr>
-        <p:txBody>
-          <a:bodyPr/>
-          <a:lstStyle/>
-          <a:p>
-            <a:r>
-              <a:rPr lang="bg-BG" dirty="0"/>
-              <a:t>1</a:t>
-            </a:r>
-            <a:endParaRPr lang="en-US" dirty="0"/>
-          </a:p>
-        </p:txBody>
-      </p:sp>
-      <p:sp>
-        <p:nvSpPr>
-          <p:cNvPr id="7" name="Title 6">
-            <a:extLst>
-              <a:ext uri="{FF2B5EF4-FFF2-40B4-BE49-F238E27FC236}">
-                <a16:creationId xmlns:a16="http://schemas.microsoft.com/office/drawing/2014/main" id="{BF3B01BD-5BCC-ACBD-6F25-01ECC18ABB3C}"/>
-              </a:ext>
-            </a:extLst>
-          </p:cNvPr>
-          <p:cNvSpPr>
-            <a:spLocks noGrp="1"/>
-          </p:cNvSpPr>
-          <p:nvPr>
-            <p:ph type="title" idx="5"/>
-          </p:nvPr>
-        </p:nvSpPr>
-        <p:spPr>
-          <a:xfrm>
-            <a:off x="3952501" y="2019165"/>
-            <a:ext cx="1239000" cy="572700"/>
-          </a:xfrm>
-        </p:spPr>
-        <p:txBody>
-          <a:bodyPr/>
-          <a:lstStyle/>
-          <a:p>
-            <a:r>
-              <a:rPr lang="bg-BG" dirty="0"/>
-              <a:t>2</a:t>
-            </a:r>
-            <a:endParaRPr lang="en-US" dirty="0"/>
-          </a:p>
-        </p:txBody>
-      </p:sp>
-      <p:sp>
-        <p:nvSpPr>
-          <p:cNvPr id="8" name="Title 7">
-            <a:extLst>
-              <a:ext uri="{FF2B5EF4-FFF2-40B4-BE49-F238E27FC236}">
-                <a16:creationId xmlns:a16="http://schemas.microsoft.com/office/drawing/2014/main" id="{255850F8-2074-24D4-4F4E-C3A95325A2E5}"/>
-              </a:ext>
-            </a:extLst>
-          </p:cNvPr>
-          <p:cNvSpPr>
-            <a:spLocks noGrp="1"/>
-          </p:cNvSpPr>
-          <p:nvPr>
-            <p:ph type="title" idx="6"/>
-          </p:nvPr>
-        </p:nvSpPr>
-        <p:spPr>
-          <a:xfrm>
-            <a:off x="6651775" y="2019165"/>
-            <a:ext cx="1239000" cy="572700"/>
-          </a:xfrm>
-        </p:spPr>
-        <p:txBody>
-          <a:bodyPr/>
-          <a:lstStyle/>
-          <a:p>
-            <a:r>
-              <a:rPr lang="bg-BG" dirty="0"/>
-              <a:t>3</a:t>
-            </a:r>
-            <a:endParaRPr lang="en-US" dirty="0"/>
-          </a:p>
-        </p:txBody>
-      </p:sp>
-      <p:sp>
-        <p:nvSpPr>
-          <p:cNvPr id="14" name="TextBox 13">
-            <a:extLst>
-              <a:ext uri="{FF2B5EF4-FFF2-40B4-BE49-F238E27FC236}">
-                <a16:creationId xmlns:a16="http://schemas.microsoft.com/office/drawing/2014/main" id="{C1DD7339-4CB3-88FC-70A8-9F15F5F1A23B}"/>
-              </a:ext>
-            </a:extLst>
-          </p:cNvPr>
-          <p:cNvSpPr txBox="1"/>
-          <p:nvPr/>
-        </p:nvSpPr>
-        <p:spPr>
-          <a:xfrm>
-            <a:off x="796560" y="3036570"/>
-            <a:ext cx="2156891" cy="707886"/>
-          </a:xfrm>
-          <a:prstGeom prst="rect">
-            <a:avLst/>
-          </a:prstGeom>
-          <a:noFill/>
-        </p:spPr>
-        <p:txBody>
-          <a:bodyPr wrap="square">
-            <a:spAutoFit/>
-          </a:bodyPr>
-          <a:lstStyle/>
-          <a:p>
-            <a:pPr algn="ctr"/>
-            <a:r>
-              <a:rPr lang="bg-BG" sz="2000" dirty="0">
-                <a:solidFill>
-                  <a:schemeClr val="accent1">
-                    <a:lumMod val="50000"/>
-                  </a:schemeClr>
-                </a:solidFill>
-                <a:latin typeface="Cambria" panose="02040503050406030204" pitchFamily="18" charset="0"/>
-                <a:ea typeface="Cambria" panose="02040503050406030204" pitchFamily="18" charset="0"/>
-              </a:rPr>
-              <a:t>Идея и набавяне на ресурси</a:t>
-            </a:r>
-            <a:endParaRPr lang="en-US" sz="2000" dirty="0">
-              <a:solidFill>
-                <a:schemeClr val="accent1">
-                  <a:lumMod val="50000"/>
-                </a:schemeClr>
-              </a:solidFill>
-              <a:latin typeface="Cambria" panose="02040503050406030204" pitchFamily="18" charset="0"/>
-              <a:ea typeface="Cambria" panose="02040503050406030204" pitchFamily="18" charset="0"/>
-            </a:endParaRPr>
-          </a:p>
-        </p:txBody>
-      </p:sp>
-      <p:sp>
-        <p:nvSpPr>
-          <p:cNvPr id="18" name="TextBox 17">
-            <a:extLst>
-              <a:ext uri="{FF2B5EF4-FFF2-40B4-BE49-F238E27FC236}">
-                <a16:creationId xmlns:a16="http://schemas.microsoft.com/office/drawing/2014/main" id="{5A8E0864-1DAF-48E7-8B8F-5767999EE901}"/>
-              </a:ext>
-            </a:extLst>
-          </p:cNvPr>
-          <p:cNvSpPr txBox="1"/>
-          <p:nvPr/>
-        </p:nvSpPr>
-        <p:spPr>
-          <a:xfrm>
-            <a:off x="3346629" y="3055620"/>
-            <a:ext cx="2450742" cy="707886"/>
-          </a:xfrm>
-          <a:prstGeom prst="rect">
-            <a:avLst/>
-          </a:prstGeom>
-          <a:noFill/>
-        </p:spPr>
-        <p:txBody>
-          <a:bodyPr wrap="square">
-            <a:spAutoFit/>
-          </a:bodyPr>
-          <a:lstStyle/>
-          <a:p>
-            <a:pPr algn="ctr"/>
-            <a:r>
-              <a:rPr lang="bg-BG" sz="2000" dirty="0">
-                <a:solidFill>
-                  <a:schemeClr val="accent1">
-                    <a:lumMod val="50000"/>
-                  </a:schemeClr>
-                </a:solidFill>
-                <a:latin typeface="Cambria" panose="02040503050406030204" pitchFamily="18" charset="0"/>
-                <a:ea typeface="Cambria" panose="02040503050406030204" pitchFamily="18" charset="0"/>
-              </a:rPr>
-              <a:t>Работа и реализация</a:t>
-            </a:r>
-            <a:endParaRPr lang="en-US" sz="2000" dirty="0">
-              <a:solidFill>
-                <a:schemeClr val="accent1">
-                  <a:lumMod val="50000"/>
-                </a:schemeClr>
-              </a:solidFill>
-              <a:latin typeface="Cambria" panose="02040503050406030204" pitchFamily="18" charset="0"/>
-              <a:ea typeface="Cambria" panose="02040503050406030204" pitchFamily="18" charset="0"/>
-            </a:endParaRPr>
-          </a:p>
-        </p:txBody>
-      </p:sp>
-      <p:sp>
-        <p:nvSpPr>
-          <p:cNvPr id="20" name="TextBox 19">
-            <a:extLst>
-              <a:ext uri="{FF2B5EF4-FFF2-40B4-BE49-F238E27FC236}">
-                <a16:creationId xmlns:a16="http://schemas.microsoft.com/office/drawing/2014/main" id="{8C564691-71B4-5655-4A2A-7187C1A1B72A}"/>
-              </a:ext>
-            </a:extLst>
-          </p:cNvPr>
-          <p:cNvSpPr txBox="1"/>
-          <p:nvPr/>
-        </p:nvSpPr>
-        <p:spPr>
-          <a:xfrm>
-            <a:off x="6190549" y="3190458"/>
-            <a:ext cx="2156891" cy="400110"/>
-          </a:xfrm>
-          <a:prstGeom prst="rect">
-            <a:avLst/>
-          </a:prstGeom>
-          <a:noFill/>
-        </p:spPr>
-        <p:txBody>
-          <a:bodyPr wrap="square">
-            <a:spAutoFit/>
-          </a:bodyPr>
-          <a:lstStyle>
-            <a:defPPr marR="0" lvl="0" algn="l" rtl="0">
-              <a:lnSpc>
-                <a:spcPct val="100000"/>
-              </a:lnSpc>
-              <a:spcBef>
-                <a:spcPts val="0"/>
-              </a:spcBef>
-              <a:spcAft>
-                <a:spcPts val="0"/>
-              </a:spcAft>
-            </a:defPPr>
-            <a:lvl1pPr algn="ctr">
-              <a:defRPr sz="1800">
-                <a:solidFill>
-                  <a:schemeClr val="accent1">
-                    <a:lumMod val="50000"/>
-                  </a:schemeClr>
-                </a:solidFill>
-                <a:latin typeface="Cambria" panose="02040503050406030204" pitchFamily="18" charset="0"/>
-                <a:ea typeface="Cambria" panose="02040503050406030204" pitchFamily="18" charset="0"/>
-              </a:defRPr>
-            </a:lvl1pPr>
-          </a:lstStyle>
-          <a:p>
-            <a:r>
-              <a:rPr lang="bg-BG" sz="2000" dirty="0"/>
-              <a:t>Представяне</a:t>
-            </a:r>
-            <a:endParaRPr lang="en-US" sz="2000" dirty="0"/>
-          </a:p>
-        </p:txBody>
-      </p:sp>
-    </p:spTree>
-    <p:extLst>
-      <p:ext uri="{BB962C8B-B14F-4D97-AF65-F5344CB8AC3E}">
-        <p14:creationId xmlns:p14="http://schemas.microsoft.com/office/powerpoint/2010/main" val="2993142858"/>
-      </p:ext>
-    </p:extLst>
-  </p:cSld>
-  <p:clrMapOvr>
-    <a:masterClrMapping/>
-  </p:clrMapOvr>
-  <mc:AlternateContent xmlns:mc="http://schemas.openxmlformats.org/markup-compatibility/2006" xmlns:p14="http://schemas.microsoft.com/office/powerpoint/2010/main">
-    <mc:Choice Requires="p14">
-      <p:transition spd="slow" p14:dur="2000">
-        <p14:reveal/>
-      </p:transition>
-    </mc:Choice>
-    <mc:Fallback xmlns="">
-      <p:transition spd="slow">
-        <p:fade/>
-      </p:transition>
-    </mc:Fallback>
-  </mc:AlternateContent>
-</p:sld>
-</file>
-
-<file path=ppt/slides/slide5.xml><?xml version="1.0" encoding="utf-8"?>
-<p:sld xmlns:a="http://schemas.openxmlformats.org/drawingml/2006/main" xmlns:r="http://schemas.openxmlformats.org/officeDocument/2006/relationships" xmlns:p="http://schemas.openxmlformats.org/presentationml/2006/main">
+<file path=ppt/slides/slide10.xml><?xml version="1.0" encoding="utf-8"?>
+<p:sld xmlns:a="http://schemas.openxmlformats.org/drawingml/2006/main" xmlns:r="http://schemas.openxmlformats.org/officeDocument/2006/relationships" xmlns:p="http://schemas.openxmlformats.org/presentationml/2006/main" show="0">
   <p:cSld>
     <p:spTree>
       <p:nvGrpSpPr>
@@ -11874,13 +11030,13 @@
   <p:clrMapOvr>
     <a:masterClrMapping/>
   </p:clrMapOvr>
-  <mc:AlternateContent xmlns:mc="http://schemas.openxmlformats.org/markup-compatibility/2006" xmlns:p14="http://schemas.microsoft.com/office/powerpoint/2010/main">
-    <mc:Choice Requires="p14">
+  <mc:AlternateContent xmlns:mc="http://schemas.openxmlformats.org/markup-compatibility/2006">
+    <mc:Choice xmlns:p14="http://schemas.microsoft.com/office/powerpoint/2010/main" Requires="p14">
       <p:transition spd="slow" p14:dur="2000">
         <p14:reveal/>
       </p:transition>
     </mc:Choice>
-    <mc:Fallback xmlns="">
+    <mc:Fallback>
       <p:transition spd="slow">
         <p:fade/>
       </p:transition>
@@ -11889,7 +11045,7 @@
 </p:sld>
 </file>
 
-<file path=ppt/slides/slide6.xml><?xml version="1.0" encoding="utf-8"?>
+<file path=ppt/slides/slide2.xml><?xml version="1.0" encoding="utf-8"?>
 <p:sld xmlns:a="http://schemas.openxmlformats.org/drawingml/2006/main" xmlns:r="http://schemas.openxmlformats.org/officeDocument/2006/relationships" xmlns:p="http://schemas.openxmlformats.org/presentationml/2006/main">
   <p:cSld>
     <p:spTree>
@@ -11950,13 +11106,13 @@
   <p:clrMapOvr>
     <a:masterClrMapping/>
   </p:clrMapOvr>
-  <mc:AlternateContent xmlns:mc="http://schemas.openxmlformats.org/markup-compatibility/2006" xmlns:p14="http://schemas.microsoft.com/office/powerpoint/2010/main">
-    <mc:Choice Requires="p14">
-      <p:transition spd="slow" p14:dur="2000">
+  <mc:AlternateContent xmlns:mc="http://schemas.openxmlformats.org/markup-compatibility/2006">
+    <mc:Choice xmlns:p14="http://schemas.microsoft.com/office/powerpoint/2010/main" Requires="p14">
+      <p:transition spd="slow" p14:dur="1500">
         <p14:reveal/>
       </p:transition>
     </mc:Choice>
-    <mc:Fallback xmlns="">
+    <mc:Fallback>
       <p:transition spd="slow">
         <p:fade/>
       </p:transition>
@@ -11965,7 +11121,7 @@
 </p:sld>
 </file>
 
-<file path=ppt/slides/slide7.xml><?xml version="1.0" encoding="utf-8"?>
+<file path=ppt/slides/slide3.xml><?xml version="1.0" encoding="utf-8"?>
 <p:sld xmlns:a="http://schemas.openxmlformats.org/drawingml/2006/main" xmlns:r="http://schemas.openxmlformats.org/officeDocument/2006/relationships" xmlns:p="http://schemas.openxmlformats.org/presentationml/2006/main">
   <p:cSld>
     <p:spTree>
@@ -12010,17 +11166,7 @@
           <a:p>
             <a:r>
               <a:rPr lang="bg-BG" dirty="0"/>
-              <a:t>Примерен </a:t>
-            </a:r>
-            <a:r>
-              <a:rPr lang="en-US" dirty="0">
-                <a:latin typeface="Calisto MT" panose="02040603050505030304" pitchFamily="18" charset="0"/>
-              </a:rPr>
-              <a:t>GUI </a:t>
-            </a:r>
-            <a:r>
-              <a:rPr lang="bg-BG" dirty="0"/>
-              <a:t>дизайн</a:t>
+              <a:t>Дизайн</a:t>
             </a:r>
             <a:endParaRPr lang="en-US" dirty="0">
               <a:latin typeface="Calisto MT" panose="02040603050505030304" pitchFamily="18" charset="0"/>
@@ -12038,13 +11184,13 @@
   <p:clrMapOvr>
     <a:masterClrMapping/>
   </p:clrMapOvr>
-  <mc:AlternateContent xmlns:mc="http://schemas.openxmlformats.org/markup-compatibility/2006" xmlns:p14="http://schemas.microsoft.com/office/powerpoint/2010/main">
-    <mc:Choice Requires="p14">
-      <p:transition spd="slow" p14:dur="2000">
+  <mc:AlternateContent xmlns:mc="http://schemas.openxmlformats.org/markup-compatibility/2006">
+    <mc:Choice xmlns:p14="http://schemas.microsoft.com/office/powerpoint/2010/main" Requires="p14">
+      <p:transition spd="slow" p14:dur="1500">
         <p14:reveal/>
       </p:transition>
     </mc:Choice>
-    <mc:Fallback xmlns="">
+    <mc:Fallback>
       <p:transition spd="slow">
         <p:fade/>
       </p:transition>
@@ -12053,20 +11199,14 @@
 </p:sld>
 </file>
 
-<file path=ppt/slides/slide8.xml><?xml version="1.0" encoding="utf-8"?>
+<file path=ppt/slides/slide4.xml><?xml version="1.0" encoding="utf-8"?>
 <p:sld xmlns:a="http://schemas.openxmlformats.org/drawingml/2006/main" xmlns:r="http://schemas.openxmlformats.org/officeDocument/2006/relationships" xmlns:p="http://schemas.openxmlformats.org/presentationml/2006/main">
   <p:cSld>
     <p:bg>
       <p:bgPr>
-        <a:blipFill dpi="0" rotWithShape="1">
-          <a:blip r:embed="rId2">
-            <a:lum/>
-          </a:blip>
-          <a:srcRect/>
-          <a:stretch>
-            <a:fillRect t="-2000" b="-2000"/>
-          </a:stretch>
-        </a:blipFill>
+        <a:solidFill>
+          <a:schemeClr val="bg1"/>
+        </a:solidFill>
         <a:effectLst/>
       </p:bgPr>
     </p:bg>
@@ -12084,23 +11224,53 @@
           <a:chExt cx="0" cy="0"/>
         </a:xfrm>
       </p:grpSpPr>
+      <p:pic>
+        <p:nvPicPr>
+          <p:cNvPr id="5" name="Picture 4">
+            <a:extLst>
+              <a:ext uri="{FF2B5EF4-FFF2-40B4-BE49-F238E27FC236}">
+                <a16:creationId xmlns:a16="http://schemas.microsoft.com/office/drawing/2014/main" id="{7EE8C043-5413-B861-5B31-F71E93A2CCCF}"/>
+              </a:ext>
+            </a:extLst>
+          </p:cNvPr>
+          <p:cNvPicPr>
+            <a:picLocks noChangeAspect="1"/>
+          </p:cNvPicPr>
+          <p:nvPr/>
+        </p:nvPicPr>
+        <p:blipFill>
+          <a:blip r:embed="rId2"/>
+          <a:stretch>
+            <a:fillRect/>
+          </a:stretch>
+        </p:blipFill>
+        <p:spPr>
+          <a:xfrm>
+            <a:off x="-842662" y="0"/>
+            <a:ext cx="10829324" cy="5143500"/>
+          </a:xfrm>
+          <a:prstGeom prst="rect">
+            <a:avLst/>
+          </a:prstGeom>
+        </p:spPr>
+      </p:pic>
     </p:spTree>
     <p:extLst>
       <p:ext uri="{BB962C8B-B14F-4D97-AF65-F5344CB8AC3E}">
-        <p14:creationId xmlns:p14="http://schemas.microsoft.com/office/powerpoint/2010/main" val="755927204"/>
+        <p14:creationId xmlns:p14="http://schemas.microsoft.com/office/powerpoint/2010/main" val="766580438"/>
       </p:ext>
     </p:extLst>
   </p:cSld>
   <p:clrMapOvr>
     <a:masterClrMapping/>
   </p:clrMapOvr>
-  <mc:AlternateContent xmlns:mc="http://schemas.openxmlformats.org/markup-compatibility/2006" xmlns:p14="http://schemas.microsoft.com/office/powerpoint/2010/main">
-    <mc:Choice Requires="p14">
-      <p:transition spd="slow" p14:dur="2000">
+  <mc:AlternateContent xmlns:mc="http://schemas.openxmlformats.org/markup-compatibility/2006">
+    <mc:Choice xmlns:p14="http://schemas.microsoft.com/office/powerpoint/2010/main" Requires="p14">
+      <p:transition spd="slow" p14:dur="1500">
         <p14:reveal/>
       </p:transition>
     </mc:Choice>
-    <mc:Fallback xmlns="">
+    <mc:Fallback>
       <p:transition spd="slow">
         <p:fade/>
       </p:transition>
@@ -12109,7 +11279,7 @@
 </p:sld>
 </file>
 
-<file path=ppt/slides/slide9.xml><?xml version="1.0" encoding="utf-8"?>
+<file path=ppt/slides/slide5.xml><?xml version="1.0" encoding="utf-8"?>
 <p:sld xmlns:a="http://schemas.openxmlformats.org/drawingml/2006/main" xmlns:r="http://schemas.openxmlformats.org/officeDocument/2006/relationships" xmlns:p="http://schemas.openxmlformats.org/presentationml/2006/main">
   <p:cSld>
     <p:spTree>
@@ -12169,8 +11339,8 @@
         </p:nvSpPr>
         <p:spPr>
           <a:xfrm>
-            <a:off x="3076650" y="1889288"/>
-            <a:ext cx="2990700" cy="1096500"/>
+            <a:off x="2913469" y="1924729"/>
+            <a:ext cx="3317062" cy="1094917"/>
           </a:xfrm>
           <a:solidFill>
             <a:schemeClr val="tx2">
@@ -12185,7 +11355,7 @@
           <a:p>
             <a:r>
               <a:rPr lang="bg-BG" sz="3200" dirty="0"/>
-              <a:t>Благодаря за вниманието!</a:t>
+              <a:t>А сега нека видим проекта!</a:t>
             </a:r>
             <a:endParaRPr lang="en-US" sz="3200" dirty="0"/>
           </a:p>
@@ -12226,13 +11396,936 @@
   <p:clrMapOvr>
     <a:masterClrMapping/>
   </p:clrMapOvr>
-  <mc:AlternateContent xmlns:mc="http://schemas.openxmlformats.org/markup-compatibility/2006" xmlns:p14="http://schemas.microsoft.com/office/powerpoint/2010/main">
-    <mc:Choice Requires="p14">
+  <mc:AlternateContent xmlns:mc="http://schemas.openxmlformats.org/markup-compatibility/2006">
+    <mc:Choice xmlns:p14="http://schemas.microsoft.com/office/powerpoint/2010/main" Requires="p14">
+      <p:transition spd="slow" p14:dur="1500">
+        <p14:reveal/>
+      </p:transition>
+    </mc:Choice>
+    <mc:Fallback>
+      <p:transition spd="slow">
+        <p:fade/>
+      </p:transition>
+    </mc:Fallback>
+  </mc:AlternateContent>
+</p:sld>
+</file>
+
+<file path=ppt/slides/slide6.xml><?xml version="1.0" encoding="utf-8"?>
+<p:sld xmlns:a="http://schemas.openxmlformats.org/drawingml/2006/main" xmlns:r="http://schemas.openxmlformats.org/officeDocument/2006/relationships" xmlns:p="http://schemas.openxmlformats.org/presentationml/2006/main" show="0">
+  <p:cSld>
+    <p:bg>
+      <p:bgPr>
+        <a:blipFill dpi="0" rotWithShape="1">
+          <a:blip r:embed="rId2">
+            <a:lum/>
+          </a:blip>
+          <a:srcRect/>
+          <a:stretch>
+            <a:fillRect t="-2000" b="-2000"/>
+          </a:stretch>
+        </a:blipFill>
+        <a:effectLst/>
+      </p:bgPr>
+    </p:bg>
+    <p:spTree>
+      <p:nvGrpSpPr>
+        <p:cNvPr id="1" name=""/>
+        <p:cNvGrpSpPr/>
+        <p:nvPr/>
+      </p:nvGrpSpPr>
+      <p:grpSpPr>
+        <a:xfrm>
+          <a:off x="0" y="0"/>
+          <a:ext cx="0" cy="0"/>
+          <a:chOff x="0" y="0"/>
+          <a:chExt cx="0" cy="0"/>
+        </a:xfrm>
+      </p:grpSpPr>
+    </p:spTree>
+    <p:extLst>
+      <p:ext uri="{BB962C8B-B14F-4D97-AF65-F5344CB8AC3E}">
+        <p14:creationId xmlns:p14="http://schemas.microsoft.com/office/powerpoint/2010/main" val="755927204"/>
+      </p:ext>
+    </p:extLst>
+  </p:cSld>
+  <p:clrMapOvr>
+    <a:masterClrMapping/>
+  </p:clrMapOvr>
+  <mc:AlternateContent xmlns:mc="http://schemas.openxmlformats.org/markup-compatibility/2006">
+    <mc:Choice xmlns:p14="http://schemas.microsoft.com/office/powerpoint/2010/main" Requires="p14">
       <p:transition spd="slow" p14:dur="2000">
         <p14:reveal/>
       </p:transition>
     </mc:Choice>
-    <mc:Fallback xmlns="">
+    <mc:Fallback>
+      <p:transition spd="slow">
+        <p:fade/>
+      </p:transition>
+    </mc:Fallback>
+  </mc:AlternateContent>
+</p:sld>
+</file>
+
+<file path=ppt/slides/slide7.xml><?xml version="1.0" encoding="utf-8"?>
+<p:sld xmlns:a="http://schemas.openxmlformats.org/drawingml/2006/main" xmlns:r="http://schemas.openxmlformats.org/officeDocument/2006/relationships" xmlns:p="http://schemas.openxmlformats.org/presentationml/2006/main" show="0">
+  <p:cSld>
+    <p:spTree>
+      <p:nvGrpSpPr>
+        <p:cNvPr id="1" name="Shape 350"/>
+        <p:cNvGrpSpPr/>
+        <p:nvPr/>
+      </p:nvGrpSpPr>
+      <p:grpSpPr>
+        <a:xfrm>
+          <a:off x="0" y="0"/>
+          <a:ext cx="0" cy="0"/>
+          <a:chOff x="0" y="0"/>
+          <a:chExt cx="0" cy="0"/>
+        </a:xfrm>
+      </p:grpSpPr>
+      <p:sp>
+        <p:nvSpPr>
+          <p:cNvPr id="351" name="Google Shape;351;p42"/>
+          <p:cNvSpPr txBox="1">
+            <a:spLocks noGrp="1"/>
+          </p:cNvSpPr>
+          <p:nvPr>
+            <p:ph type="ctrTitle"/>
+          </p:nvPr>
+        </p:nvSpPr>
+        <p:spPr>
+          <a:xfrm>
+            <a:off x="713225" y="773675"/>
+            <a:ext cx="4643635" cy="2504055"/>
+          </a:xfrm>
+          <a:prstGeom prst="rect">
+            <a:avLst/>
+          </a:prstGeom>
+        </p:spPr>
+        <p:txBody>
+          <a:bodyPr spcFirstLastPara="1" wrap="square" lIns="91425" tIns="91425" rIns="91425" bIns="91425" anchor="b" anchorCtr="0">
+            <a:noAutofit/>
+          </a:bodyPr>
+          <a:lstStyle/>
+          <a:p>
+            <a:pPr marL="0" lvl="0" indent="0" algn="l" rtl="0">
+              <a:spcBef>
+                <a:spcPts val="0"/>
+              </a:spcBef>
+              <a:spcAft>
+                <a:spcPts val="0"/>
+              </a:spcAft>
+              <a:buNone/>
+            </a:pPr>
+            <a:r>
+              <a:rPr lang="bg-BG" sz="6100" dirty="0">
+                <a:latin typeface="Cambria" panose="02040503050406030204" pitchFamily="18" charset="0"/>
+                <a:ea typeface="Cambria" panose="02040503050406030204" pitchFamily="18" charset="0"/>
+              </a:rPr>
+              <a:t>Практика – идея за приложение </a:t>
+            </a:r>
+            <a:endParaRPr sz="6100" dirty="0">
+              <a:latin typeface="Cambria" panose="02040503050406030204" pitchFamily="18" charset="0"/>
+              <a:ea typeface="Cambria" panose="02040503050406030204" pitchFamily="18" charset="0"/>
+            </a:endParaRPr>
+          </a:p>
+        </p:txBody>
+      </p:sp>
+      <p:sp>
+        <p:nvSpPr>
+          <p:cNvPr id="352" name="Google Shape;352;p42"/>
+          <p:cNvSpPr txBox="1">
+            <a:spLocks noGrp="1"/>
+          </p:cNvSpPr>
+          <p:nvPr>
+            <p:ph type="subTitle" idx="1"/>
+          </p:nvPr>
+        </p:nvSpPr>
+        <p:spPr>
+          <a:xfrm>
+            <a:off x="2831585" y="4108172"/>
+            <a:ext cx="2898655" cy="523305"/>
+          </a:xfrm>
+          <a:prstGeom prst="rect">
+            <a:avLst/>
+          </a:prstGeom>
+        </p:spPr>
+        <p:txBody>
+          <a:bodyPr spcFirstLastPara="1" wrap="square" lIns="91425" tIns="91425" rIns="91425" bIns="91425" anchor="t" anchorCtr="0">
+            <a:noAutofit/>
+          </a:bodyPr>
+          <a:lstStyle/>
+          <a:p>
+            <a:pPr marL="0" lvl="0" indent="0" algn="l" rtl="0">
+              <a:spcBef>
+                <a:spcPts val="0"/>
+              </a:spcBef>
+              <a:spcAft>
+                <a:spcPts val="0"/>
+              </a:spcAft>
+              <a:buNone/>
+            </a:pPr>
+            <a:r>
+              <a:rPr lang="bg-BG" dirty="0">
+                <a:latin typeface="Cambria" panose="02040503050406030204" pitchFamily="18" charset="0"/>
+                <a:ea typeface="Cambria" panose="02040503050406030204" pitchFamily="18" charset="0"/>
+              </a:rPr>
+              <a:t>Александра Стайкова 11В</a:t>
+            </a:r>
+            <a:endParaRPr dirty="0">
+              <a:latin typeface="Cambria" panose="02040503050406030204" pitchFamily="18" charset="0"/>
+              <a:ea typeface="Cambria" panose="02040503050406030204" pitchFamily="18" charset="0"/>
+            </a:endParaRPr>
+          </a:p>
+        </p:txBody>
+      </p:sp>
+      <p:sp>
+        <p:nvSpPr>
+          <p:cNvPr id="5" name="Picture Placeholder 4">
+            <a:extLst>
+              <a:ext uri="{FF2B5EF4-FFF2-40B4-BE49-F238E27FC236}">
+                <a16:creationId xmlns:a16="http://schemas.microsoft.com/office/drawing/2014/main" id="{CF609DC6-AC12-4186-856A-1B903CB95DB2}"/>
+              </a:ext>
+            </a:extLst>
+          </p:cNvPr>
+          <p:cNvSpPr>
+            <a:spLocks noGrp="1"/>
+          </p:cNvSpPr>
+          <p:nvPr>
+            <p:ph type="pic" idx="2"/>
+          </p:nvPr>
+        </p:nvSpPr>
+        <p:spPr>
+          <a:xfrm>
+            <a:off x="6290117" y="867680"/>
+            <a:ext cx="4820100" cy="4820100"/>
+          </a:xfrm>
+        </p:spPr>
+      </p:sp>
+    </p:spTree>
+  </p:cSld>
+  <p:clrMapOvr>
+    <a:masterClrMapping/>
+  </p:clrMapOvr>
+  <mc:AlternateContent xmlns:mc="http://schemas.openxmlformats.org/markup-compatibility/2006">
+    <mc:Choice xmlns:p14="http://schemas.microsoft.com/office/powerpoint/2010/main" Requires="p14">
+      <p:transition spd="slow" p14:dur="2000">
+        <p14:reveal/>
+      </p:transition>
+    </mc:Choice>
+    <mc:Fallback>
+      <p:transition spd="slow">
+        <p:fade/>
+      </p:transition>
+    </mc:Fallback>
+  </mc:AlternateContent>
+</p:sld>
+</file>
+
+<file path=ppt/slides/slide8.xml><?xml version="1.0" encoding="utf-8"?>
+<p:sld xmlns:a="http://schemas.openxmlformats.org/drawingml/2006/main" xmlns:r="http://schemas.openxmlformats.org/officeDocument/2006/relationships" xmlns:p="http://schemas.openxmlformats.org/presentationml/2006/main" show="0">
+  <p:cSld>
+    <p:spTree>
+      <p:nvGrpSpPr>
+        <p:cNvPr id="1" name="Shape 358"/>
+        <p:cNvGrpSpPr/>
+        <p:nvPr/>
+      </p:nvGrpSpPr>
+      <p:grpSpPr>
+        <a:xfrm>
+          <a:off x="0" y="0"/>
+          <a:ext cx="0" cy="0"/>
+          <a:chOff x="0" y="0"/>
+          <a:chExt cx="0" cy="0"/>
+        </a:xfrm>
+      </p:grpSpPr>
+      <p:sp>
+        <p:nvSpPr>
+          <p:cNvPr id="359" name="Google Shape;359;p43"/>
+          <p:cNvSpPr txBox="1">
+            <a:spLocks noGrp="1"/>
+          </p:cNvSpPr>
+          <p:nvPr>
+            <p:ph type="title"/>
+          </p:nvPr>
+        </p:nvSpPr>
+        <p:spPr>
+          <a:xfrm>
+            <a:off x="720000" y="539500"/>
+            <a:ext cx="7704000" cy="572700"/>
+          </a:xfrm>
+          <a:prstGeom prst="rect">
+            <a:avLst/>
+          </a:prstGeom>
+        </p:spPr>
+        <p:txBody>
+          <a:bodyPr spcFirstLastPara="1" wrap="square" lIns="91425" tIns="91425" rIns="91425" bIns="91425" anchor="t" anchorCtr="0">
+            <a:noAutofit/>
+          </a:bodyPr>
+          <a:lstStyle/>
+          <a:p>
+            <a:pPr marL="0" lvl="0" indent="0" algn="ctr" rtl="0">
+              <a:spcBef>
+                <a:spcPts val="0"/>
+              </a:spcBef>
+              <a:spcAft>
+                <a:spcPts val="0"/>
+              </a:spcAft>
+              <a:buNone/>
+            </a:pPr>
+            <a:r>
+              <a:rPr lang="bg-BG" dirty="0">
+                <a:solidFill>
+                  <a:schemeClr val="lt2"/>
+                </a:solidFill>
+              </a:rPr>
+              <a:t>Съдържание на презентацията</a:t>
+            </a:r>
+            <a:endParaRPr dirty="0">
+              <a:solidFill>
+                <a:schemeClr val="dk1"/>
+              </a:solidFill>
+            </a:endParaRPr>
+          </a:p>
+        </p:txBody>
+      </p:sp>
+      <p:sp>
+        <p:nvSpPr>
+          <p:cNvPr id="361" name="Google Shape;361;p43"/>
+          <p:cNvSpPr txBox="1"/>
+          <p:nvPr/>
+        </p:nvSpPr>
+        <p:spPr>
+          <a:xfrm>
+            <a:off x="940980" y="1674645"/>
+            <a:ext cx="3631020" cy="1472416"/>
+          </a:xfrm>
+          <a:prstGeom prst="rect">
+            <a:avLst/>
+          </a:prstGeom>
+          <a:noFill/>
+          <a:ln>
+            <a:noFill/>
+          </a:ln>
+        </p:spPr>
+        <p:txBody>
+          <a:bodyPr spcFirstLastPara="1" wrap="square" lIns="91425" tIns="91425" rIns="0" bIns="91425" anchor="t" anchorCtr="0">
+            <a:noAutofit/>
+          </a:bodyPr>
+          <a:lstStyle/>
+          <a:p>
+            <a:pPr marL="171450" lvl="0" indent="-171450" algn="l" rtl="0">
+              <a:lnSpc>
+                <a:spcPct val="200000"/>
+              </a:lnSpc>
+              <a:spcBef>
+                <a:spcPts val="0"/>
+              </a:spcBef>
+              <a:spcAft>
+                <a:spcPts val="0"/>
+              </a:spcAft>
+              <a:buFont typeface="Arial" panose="020B0604020202020204" pitchFamily="34" charset="0"/>
+              <a:buChar char="•"/>
+            </a:pPr>
+            <a:r>
+              <a:rPr lang="ru-RU" sz="1600" dirty="0">
+                <a:solidFill>
+                  <a:schemeClr val="lt2"/>
+                </a:solidFill>
+                <a:latin typeface="Cambria" panose="02040503050406030204" pitchFamily="18" charset="0"/>
+                <a:ea typeface="Cambria" panose="02040503050406030204" pitchFamily="18" charset="0"/>
+                <a:cs typeface="Poppins"/>
+                <a:sym typeface="Poppins"/>
+              </a:rPr>
+              <a:t>Кратко </a:t>
+            </a:r>
+            <a:r>
+              <a:rPr lang="ru-RU" sz="1600" dirty="0" err="1">
+                <a:solidFill>
+                  <a:schemeClr val="lt2"/>
+                </a:solidFill>
+                <a:latin typeface="Cambria" panose="02040503050406030204" pitchFamily="18" charset="0"/>
+                <a:ea typeface="Cambria" panose="02040503050406030204" pitchFamily="18" charset="0"/>
+                <a:cs typeface="Poppins"/>
+                <a:sym typeface="Poppins"/>
+              </a:rPr>
+              <a:t>въведение</a:t>
+            </a:r>
+            <a:r>
+              <a:rPr lang="ru-RU" sz="1600" dirty="0">
+                <a:solidFill>
+                  <a:schemeClr val="lt2"/>
+                </a:solidFill>
+                <a:latin typeface="Cambria" panose="02040503050406030204" pitchFamily="18" charset="0"/>
+                <a:ea typeface="Cambria" panose="02040503050406030204" pitchFamily="18" charset="0"/>
+                <a:cs typeface="Poppins"/>
+                <a:sym typeface="Poppins"/>
+              </a:rPr>
+              <a:t> на </a:t>
+            </a:r>
+            <a:r>
+              <a:rPr lang="ru-RU" sz="1600" dirty="0" err="1">
+                <a:solidFill>
+                  <a:schemeClr val="lt2"/>
+                </a:solidFill>
+                <a:latin typeface="Cambria" panose="02040503050406030204" pitchFamily="18" charset="0"/>
+                <a:ea typeface="Cambria" panose="02040503050406030204" pitchFamily="18" charset="0"/>
+                <a:cs typeface="Poppins"/>
+                <a:sym typeface="Poppins"/>
+              </a:rPr>
+              <a:t>идеята</a:t>
+            </a:r>
+            <a:endParaRPr lang="ru-RU" sz="1600" dirty="0">
+              <a:solidFill>
+                <a:schemeClr val="lt2"/>
+              </a:solidFill>
+              <a:latin typeface="Cambria" panose="02040503050406030204" pitchFamily="18" charset="0"/>
+              <a:ea typeface="Cambria" panose="02040503050406030204" pitchFamily="18" charset="0"/>
+              <a:cs typeface="Poppins"/>
+              <a:sym typeface="Poppins"/>
+            </a:endParaRPr>
+          </a:p>
+          <a:p>
+            <a:pPr marL="171450" lvl="0" indent="-171450" algn="l" rtl="0">
+              <a:lnSpc>
+                <a:spcPct val="200000"/>
+              </a:lnSpc>
+              <a:spcBef>
+                <a:spcPts val="0"/>
+              </a:spcBef>
+              <a:spcAft>
+                <a:spcPts val="0"/>
+              </a:spcAft>
+              <a:buFont typeface="Arial" panose="020B0604020202020204" pitchFamily="34" charset="0"/>
+              <a:buChar char="•"/>
+            </a:pPr>
+            <a:r>
+              <a:rPr lang="ru-RU" sz="1600" dirty="0">
+                <a:solidFill>
+                  <a:schemeClr val="lt2"/>
+                </a:solidFill>
+                <a:latin typeface="Cambria" panose="02040503050406030204" pitchFamily="18" charset="0"/>
+                <a:ea typeface="Cambria" panose="02040503050406030204" pitchFamily="18" charset="0"/>
+                <a:cs typeface="Poppins"/>
+                <a:sym typeface="Poppins"/>
+              </a:rPr>
+              <a:t>План за </a:t>
+            </a:r>
+            <a:r>
+              <a:rPr lang="ru-RU" sz="1600" dirty="0" err="1">
+                <a:solidFill>
+                  <a:schemeClr val="lt2"/>
+                </a:solidFill>
+                <a:latin typeface="Cambria" panose="02040503050406030204" pitchFamily="18" charset="0"/>
+                <a:ea typeface="Cambria" panose="02040503050406030204" pitchFamily="18" charset="0"/>
+                <a:cs typeface="Poppins"/>
+                <a:sym typeface="Poppins"/>
+              </a:rPr>
+              <a:t>реализиране</a:t>
+            </a:r>
+            <a:endParaRPr lang="ru-RU" sz="1600" dirty="0">
+              <a:solidFill>
+                <a:schemeClr val="lt2"/>
+              </a:solidFill>
+              <a:latin typeface="Cambria" panose="02040503050406030204" pitchFamily="18" charset="0"/>
+              <a:ea typeface="Cambria" panose="02040503050406030204" pitchFamily="18" charset="0"/>
+              <a:cs typeface="Poppins"/>
+              <a:sym typeface="Poppins"/>
+            </a:endParaRPr>
+          </a:p>
+          <a:p>
+            <a:pPr marL="171450" lvl="0" indent="-171450" algn="l" rtl="0">
+              <a:lnSpc>
+                <a:spcPct val="200000"/>
+              </a:lnSpc>
+              <a:spcBef>
+                <a:spcPts val="0"/>
+              </a:spcBef>
+              <a:spcAft>
+                <a:spcPts val="0"/>
+              </a:spcAft>
+              <a:buFont typeface="Arial" panose="020B0604020202020204" pitchFamily="34" charset="0"/>
+              <a:buChar char="•"/>
+            </a:pPr>
+            <a:r>
+              <a:rPr lang="ru-RU" sz="1600" dirty="0" err="1">
+                <a:solidFill>
+                  <a:schemeClr val="lt2"/>
+                </a:solidFill>
+                <a:latin typeface="Cambria" panose="02040503050406030204" pitchFamily="18" charset="0"/>
+                <a:ea typeface="Cambria" panose="02040503050406030204" pitchFamily="18" charset="0"/>
+                <a:cs typeface="Poppins"/>
+                <a:sym typeface="Poppins"/>
+              </a:rPr>
+              <a:t>Използвани</a:t>
+            </a:r>
+            <a:r>
+              <a:rPr lang="ru-RU" sz="1600" dirty="0">
+                <a:solidFill>
+                  <a:schemeClr val="lt2"/>
+                </a:solidFill>
+                <a:latin typeface="Cambria" panose="02040503050406030204" pitchFamily="18" charset="0"/>
+                <a:ea typeface="Cambria" panose="02040503050406030204" pitchFamily="18" charset="0"/>
+                <a:cs typeface="Poppins"/>
+                <a:sym typeface="Poppins"/>
+              </a:rPr>
+              <a:t> технологии</a:t>
+            </a:r>
+          </a:p>
+          <a:p>
+            <a:pPr marL="171450" lvl="0" indent="-171450" algn="l" rtl="0">
+              <a:lnSpc>
+                <a:spcPct val="200000"/>
+              </a:lnSpc>
+              <a:spcBef>
+                <a:spcPts val="0"/>
+              </a:spcBef>
+              <a:spcAft>
+                <a:spcPts val="0"/>
+              </a:spcAft>
+              <a:buFont typeface="Arial" panose="020B0604020202020204" pitchFamily="34" charset="0"/>
+              <a:buChar char="•"/>
+            </a:pPr>
+            <a:r>
+              <a:rPr lang="ru-RU" sz="1600" dirty="0" err="1">
+                <a:solidFill>
+                  <a:schemeClr val="lt2"/>
+                </a:solidFill>
+                <a:latin typeface="Cambria" panose="02040503050406030204" pitchFamily="18" charset="0"/>
+                <a:ea typeface="Cambria" panose="02040503050406030204" pitchFamily="18" charset="0"/>
+                <a:cs typeface="Poppins"/>
+                <a:sym typeface="Poppins"/>
+              </a:rPr>
+              <a:t>Целева</a:t>
+            </a:r>
+            <a:r>
+              <a:rPr lang="ru-RU" sz="1600" dirty="0">
+                <a:solidFill>
+                  <a:schemeClr val="lt2"/>
+                </a:solidFill>
+                <a:latin typeface="Cambria" panose="02040503050406030204" pitchFamily="18" charset="0"/>
+                <a:ea typeface="Cambria" panose="02040503050406030204" pitchFamily="18" charset="0"/>
+                <a:cs typeface="Poppins"/>
+                <a:sym typeface="Poppins"/>
+              </a:rPr>
+              <a:t> аудитория</a:t>
+            </a:r>
+            <a:endParaRPr lang="en-US" sz="1600" dirty="0">
+              <a:solidFill>
+                <a:schemeClr val="lt2"/>
+              </a:solidFill>
+              <a:latin typeface="Cambria" panose="02040503050406030204" pitchFamily="18" charset="0"/>
+              <a:ea typeface="Cambria" panose="02040503050406030204" pitchFamily="18" charset="0"/>
+              <a:cs typeface="Poppins"/>
+              <a:sym typeface="Poppins"/>
+            </a:endParaRPr>
+          </a:p>
+          <a:p>
+            <a:pPr marL="171450" lvl="0" indent="-171450" algn="l" rtl="0">
+              <a:lnSpc>
+                <a:spcPct val="200000"/>
+              </a:lnSpc>
+              <a:spcBef>
+                <a:spcPts val="0"/>
+              </a:spcBef>
+              <a:spcAft>
+                <a:spcPts val="0"/>
+              </a:spcAft>
+              <a:buFont typeface="Arial" panose="020B0604020202020204" pitchFamily="34" charset="0"/>
+              <a:buChar char="•"/>
+            </a:pPr>
+            <a:r>
+              <a:rPr lang="bg-BG" sz="1600" dirty="0">
+                <a:solidFill>
+                  <a:schemeClr val="lt2"/>
+                </a:solidFill>
+                <a:latin typeface="Cambria" panose="02040503050406030204" pitchFamily="18" charset="0"/>
+                <a:ea typeface="Cambria" panose="02040503050406030204" pitchFamily="18" charset="0"/>
+                <a:cs typeface="Poppins"/>
+                <a:sym typeface="Poppins"/>
+              </a:rPr>
+              <a:t>Примерен </a:t>
+            </a:r>
+            <a:r>
+              <a:rPr lang="en-US" sz="1600" dirty="0">
+                <a:solidFill>
+                  <a:schemeClr val="lt2"/>
+                </a:solidFill>
+                <a:latin typeface="Cambria" panose="02040503050406030204" pitchFamily="18" charset="0"/>
+                <a:ea typeface="Cambria" panose="02040503050406030204" pitchFamily="18" charset="0"/>
+                <a:cs typeface="Poppins"/>
+                <a:sym typeface="Poppins"/>
+              </a:rPr>
+              <a:t>GUI</a:t>
+            </a:r>
+            <a:endParaRPr lang="ru-RU" sz="1600" dirty="0">
+              <a:solidFill>
+                <a:schemeClr val="lt2"/>
+              </a:solidFill>
+              <a:latin typeface="Cambria" panose="02040503050406030204" pitchFamily="18" charset="0"/>
+              <a:ea typeface="Cambria" panose="02040503050406030204" pitchFamily="18" charset="0"/>
+              <a:cs typeface="Poppins"/>
+              <a:sym typeface="Poppins"/>
+            </a:endParaRPr>
+          </a:p>
+        </p:txBody>
+      </p:sp>
+    </p:spTree>
+  </p:cSld>
+  <p:clrMapOvr>
+    <a:masterClrMapping/>
+  </p:clrMapOvr>
+  <mc:AlternateContent xmlns:mc="http://schemas.openxmlformats.org/markup-compatibility/2006">
+    <mc:Choice xmlns:p14="http://schemas.microsoft.com/office/powerpoint/2010/main" Requires="p14">
+      <p:transition spd="slow" p14:dur="2000">
+        <p14:reveal/>
+      </p:transition>
+    </mc:Choice>
+    <mc:Fallback>
+      <p:transition spd="slow">
+        <p:fade/>
+      </p:transition>
+    </mc:Fallback>
+  </mc:AlternateContent>
+</p:sld>
+</file>
+
+<file path=ppt/slides/slide9.xml><?xml version="1.0" encoding="utf-8"?>
+<p:sld xmlns:a="http://schemas.openxmlformats.org/drawingml/2006/main" xmlns:r="http://schemas.openxmlformats.org/officeDocument/2006/relationships" xmlns:p="http://schemas.openxmlformats.org/presentationml/2006/main" show="0">
+  <p:cSld>
+    <p:spTree>
+      <p:nvGrpSpPr>
+        <p:cNvPr id="1" name=""/>
+        <p:cNvGrpSpPr/>
+        <p:nvPr/>
+      </p:nvGrpSpPr>
+      <p:grpSpPr>
+        <a:xfrm>
+          <a:off x="0" y="0"/>
+          <a:ext cx="0" cy="0"/>
+          <a:chOff x="0" y="0"/>
+          <a:chExt cx="0" cy="0"/>
+        </a:xfrm>
+      </p:grpSpPr>
+      <p:sp>
+        <p:nvSpPr>
+          <p:cNvPr id="2" name="Title 1">
+            <a:extLst>
+              <a:ext uri="{FF2B5EF4-FFF2-40B4-BE49-F238E27FC236}">
+                <a16:creationId xmlns:a16="http://schemas.microsoft.com/office/drawing/2014/main" id="{448C5F27-01E8-EF57-A2D6-75043124F870}"/>
+              </a:ext>
+            </a:extLst>
+          </p:cNvPr>
+          <p:cNvSpPr>
+            <a:spLocks noGrp="1"/>
+          </p:cNvSpPr>
+          <p:nvPr>
+            <p:ph type="title"/>
+          </p:nvPr>
+        </p:nvSpPr>
+        <p:spPr>
+          <a:xfrm>
+            <a:off x="720000" y="638560"/>
+            <a:ext cx="7704000" cy="572700"/>
+          </a:xfrm>
+        </p:spPr>
+        <p:txBody>
+          <a:bodyPr/>
+          <a:lstStyle/>
+          <a:p>
+            <a:r>
+              <a:rPr lang="bg-BG" dirty="0"/>
+              <a:t>План за реализация</a:t>
+            </a:r>
+            <a:endParaRPr lang="en-US" dirty="0"/>
+          </a:p>
+        </p:txBody>
+      </p:sp>
+      <p:sp>
+        <p:nvSpPr>
+          <p:cNvPr id="6" name="Title 5">
+            <a:extLst>
+              <a:ext uri="{FF2B5EF4-FFF2-40B4-BE49-F238E27FC236}">
+                <a16:creationId xmlns:a16="http://schemas.microsoft.com/office/drawing/2014/main" id="{A6A1214E-3FEC-95D9-567A-B2A8DFEA25B9}"/>
+              </a:ext>
+            </a:extLst>
+          </p:cNvPr>
+          <p:cNvSpPr>
+            <a:spLocks noGrp="1"/>
+          </p:cNvSpPr>
+          <p:nvPr>
+            <p:ph type="title" idx="4"/>
+          </p:nvPr>
+        </p:nvSpPr>
+        <p:spPr>
+          <a:xfrm>
+            <a:off x="1253250" y="2019165"/>
+            <a:ext cx="1239000" cy="572700"/>
+          </a:xfrm>
+        </p:spPr>
+        <p:txBody>
+          <a:bodyPr/>
+          <a:lstStyle/>
+          <a:p>
+            <a:r>
+              <a:rPr lang="bg-BG" dirty="0"/>
+              <a:t>1</a:t>
+            </a:r>
+            <a:endParaRPr lang="en-US" dirty="0"/>
+          </a:p>
+        </p:txBody>
+      </p:sp>
+      <p:sp>
+        <p:nvSpPr>
+          <p:cNvPr id="7" name="Title 6">
+            <a:extLst>
+              <a:ext uri="{FF2B5EF4-FFF2-40B4-BE49-F238E27FC236}">
+                <a16:creationId xmlns:a16="http://schemas.microsoft.com/office/drawing/2014/main" id="{BF3B01BD-5BCC-ACBD-6F25-01ECC18ABB3C}"/>
+              </a:ext>
+            </a:extLst>
+          </p:cNvPr>
+          <p:cNvSpPr>
+            <a:spLocks noGrp="1"/>
+          </p:cNvSpPr>
+          <p:nvPr>
+            <p:ph type="title" idx="5"/>
+          </p:nvPr>
+        </p:nvSpPr>
+        <p:spPr>
+          <a:xfrm>
+            <a:off x="3952501" y="2019165"/>
+            <a:ext cx="1239000" cy="572700"/>
+          </a:xfrm>
+        </p:spPr>
+        <p:txBody>
+          <a:bodyPr/>
+          <a:lstStyle/>
+          <a:p>
+            <a:r>
+              <a:rPr lang="bg-BG" dirty="0"/>
+              <a:t>2</a:t>
+            </a:r>
+            <a:endParaRPr lang="en-US" dirty="0"/>
+          </a:p>
+        </p:txBody>
+      </p:sp>
+      <p:sp>
+        <p:nvSpPr>
+          <p:cNvPr id="8" name="Title 7">
+            <a:extLst>
+              <a:ext uri="{FF2B5EF4-FFF2-40B4-BE49-F238E27FC236}">
+                <a16:creationId xmlns:a16="http://schemas.microsoft.com/office/drawing/2014/main" id="{255850F8-2074-24D4-4F4E-C3A95325A2E5}"/>
+              </a:ext>
+            </a:extLst>
+          </p:cNvPr>
+          <p:cNvSpPr>
+            <a:spLocks noGrp="1"/>
+          </p:cNvSpPr>
+          <p:nvPr>
+            <p:ph type="title" idx="6"/>
+          </p:nvPr>
+        </p:nvSpPr>
+        <p:spPr>
+          <a:xfrm>
+            <a:off x="6651775" y="2019165"/>
+            <a:ext cx="1239000" cy="572700"/>
+          </a:xfrm>
+        </p:spPr>
+        <p:txBody>
+          <a:bodyPr/>
+          <a:lstStyle/>
+          <a:p>
+            <a:r>
+              <a:rPr lang="bg-BG" dirty="0"/>
+              <a:t>3</a:t>
+            </a:r>
+            <a:endParaRPr lang="en-US" dirty="0"/>
+          </a:p>
+        </p:txBody>
+      </p:sp>
+      <p:sp>
+        <p:nvSpPr>
+          <p:cNvPr id="14" name="TextBox 13">
+            <a:extLst>
+              <a:ext uri="{FF2B5EF4-FFF2-40B4-BE49-F238E27FC236}">
+                <a16:creationId xmlns:a16="http://schemas.microsoft.com/office/drawing/2014/main" id="{C1DD7339-4CB3-88FC-70A8-9F15F5F1A23B}"/>
+              </a:ext>
+            </a:extLst>
+          </p:cNvPr>
+          <p:cNvSpPr txBox="1"/>
+          <p:nvPr/>
+        </p:nvSpPr>
+        <p:spPr>
+          <a:xfrm>
+            <a:off x="796560" y="3036570"/>
+            <a:ext cx="2156891" cy="707886"/>
+          </a:xfrm>
+          <a:prstGeom prst="rect">
+            <a:avLst/>
+          </a:prstGeom>
+          <a:noFill/>
+        </p:spPr>
+        <p:txBody>
+          <a:bodyPr wrap="square">
+            <a:spAutoFit/>
+          </a:bodyPr>
+          <a:lstStyle/>
+          <a:p>
+            <a:pPr algn="ctr"/>
+            <a:r>
+              <a:rPr lang="bg-BG" sz="2000" dirty="0">
+                <a:solidFill>
+                  <a:schemeClr val="accent1">
+                    <a:lumMod val="50000"/>
+                  </a:schemeClr>
+                </a:solidFill>
+                <a:latin typeface="Cambria" panose="02040503050406030204" pitchFamily="18" charset="0"/>
+                <a:ea typeface="Cambria" panose="02040503050406030204" pitchFamily="18" charset="0"/>
+              </a:rPr>
+              <a:t>Идея и набавяне на ресурси</a:t>
+            </a:r>
+            <a:endParaRPr lang="en-US" sz="2000" dirty="0">
+              <a:solidFill>
+                <a:schemeClr val="accent1">
+                  <a:lumMod val="50000"/>
+                </a:schemeClr>
+              </a:solidFill>
+              <a:latin typeface="Cambria" panose="02040503050406030204" pitchFamily="18" charset="0"/>
+              <a:ea typeface="Cambria" panose="02040503050406030204" pitchFamily="18" charset="0"/>
+            </a:endParaRPr>
+          </a:p>
+        </p:txBody>
+      </p:sp>
+      <p:sp>
+        <p:nvSpPr>
+          <p:cNvPr id="18" name="TextBox 17">
+            <a:extLst>
+              <a:ext uri="{FF2B5EF4-FFF2-40B4-BE49-F238E27FC236}">
+                <a16:creationId xmlns:a16="http://schemas.microsoft.com/office/drawing/2014/main" id="{5A8E0864-1DAF-48E7-8B8F-5767999EE901}"/>
+              </a:ext>
+            </a:extLst>
+          </p:cNvPr>
+          <p:cNvSpPr txBox="1"/>
+          <p:nvPr/>
+        </p:nvSpPr>
+        <p:spPr>
+          <a:xfrm>
+            <a:off x="3346629" y="3055620"/>
+            <a:ext cx="2450742" cy="707886"/>
+          </a:xfrm>
+          <a:prstGeom prst="rect">
+            <a:avLst/>
+          </a:prstGeom>
+          <a:noFill/>
+        </p:spPr>
+        <p:txBody>
+          <a:bodyPr wrap="square">
+            <a:spAutoFit/>
+          </a:bodyPr>
+          <a:lstStyle/>
+          <a:p>
+            <a:pPr algn="ctr"/>
+            <a:r>
+              <a:rPr lang="bg-BG" sz="2000" dirty="0">
+                <a:solidFill>
+                  <a:schemeClr val="accent1">
+                    <a:lumMod val="50000"/>
+                  </a:schemeClr>
+                </a:solidFill>
+                <a:latin typeface="Cambria" panose="02040503050406030204" pitchFamily="18" charset="0"/>
+                <a:ea typeface="Cambria" panose="02040503050406030204" pitchFamily="18" charset="0"/>
+              </a:rPr>
+              <a:t>Работа и реализация</a:t>
+            </a:r>
+            <a:endParaRPr lang="en-US" sz="2000" dirty="0">
+              <a:solidFill>
+                <a:schemeClr val="accent1">
+                  <a:lumMod val="50000"/>
+                </a:schemeClr>
+              </a:solidFill>
+              <a:latin typeface="Cambria" panose="02040503050406030204" pitchFamily="18" charset="0"/>
+              <a:ea typeface="Cambria" panose="02040503050406030204" pitchFamily="18" charset="0"/>
+            </a:endParaRPr>
+          </a:p>
+        </p:txBody>
+      </p:sp>
+      <p:sp>
+        <p:nvSpPr>
+          <p:cNvPr id="20" name="TextBox 19">
+            <a:extLst>
+              <a:ext uri="{FF2B5EF4-FFF2-40B4-BE49-F238E27FC236}">
+                <a16:creationId xmlns:a16="http://schemas.microsoft.com/office/drawing/2014/main" id="{8C564691-71B4-5655-4A2A-7187C1A1B72A}"/>
+              </a:ext>
+            </a:extLst>
+          </p:cNvPr>
+          <p:cNvSpPr txBox="1"/>
+          <p:nvPr/>
+        </p:nvSpPr>
+        <p:spPr>
+          <a:xfrm>
+            <a:off x="6190549" y="3190458"/>
+            <a:ext cx="2156891" cy="400110"/>
+          </a:xfrm>
+          <a:prstGeom prst="rect">
+            <a:avLst/>
+          </a:prstGeom>
+          <a:noFill/>
+        </p:spPr>
+        <p:txBody>
+          <a:bodyPr wrap="square">
+            <a:spAutoFit/>
+          </a:bodyPr>
+          <a:lstStyle>
+            <a:defPPr marR="0" lvl="0" algn="l" rtl="0">
+              <a:lnSpc>
+                <a:spcPct val="100000"/>
+              </a:lnSpc>
+              <a:spcBef>
+                <a:spcPts val="0"/>
+              </a:spcBef>
+              <a:spcAft>
+                <a:spcPts val="0"/>
+              </a:spcAft>
+            </a:defPPr>
+            <a:lvl1pPr algn="ctr">
+              <a:defRPr sz="1800">
+                <a:solidFill>
+                  <a:schemeClr val="accent1">
+                    <a:lumMod val="50000"/>
+                  </a:schemeClr>
+                </a:solidFill>
+                <a:latin typeface="Cambria" panose="02040503050406030204" pitchFamily="18" charset="0"/>
+                <a:ea typeface="Cambria" panose="02040503050406030204" pitchFamily="18" charset="0"/>
+              </a:defRPr>
+            </a:lvl1pPr>
+          </a:lstStyle>
+          <a:p>
+            <a:r>
+              <a:rPr lang="bg-BG" sz="2000" dirty="0"/>
+              <a:t>Представяне</a:t>
+            </a:r>
+            <a:endParaRPr lang="en-US" sz="2000" dirty="0"/>
+          </a:p>
+        </p:txBody>
+      </p:sp>
+    </p:spTree>
+    <p:extLst>
+      <p:ext uri="{BB962C8B-B14F-4D97-AF65-F5344CB8AC3E}">
+        <p14:creationId xmlns:p14="http://schemas.microsoft.com/office/powerpoint/2010/main" val="2993142858"/>
+      </p:ext>
+    </p:extLst>
+  </p:cSld>
+  <p:clrMapOvr>
+    <a:masterClrMapping/>
+  </p:clrMapOvr>
+  <mc:AlternateContent xmlns:mc="http://schemas.openxmlformats.org/markup-compatibility/2006">
+    <mc:Choice xmlns:p14="http://schemas.microsoft.com/office/powerpoint/2010/main" Requires="p14">
+      <p:transition spd="slow" p14:dur="2000">
+        <p14:reveal/>
+      </p:transition>
+    </mc:Choice>
+    <mc:Fallback>
       <p:transition spd="slow">
         <p:fade/>
       </p:transition>
@@ -13308,15 +13401,6 @@
 </file>
 
 <file path=customXml/item2.xml><?xml version="1.0" encoding="utf-8"?>
-<?mso-contentType ?>
-<FormTemplates xmlns="http://schemas.microsoft.com/sharepoint/v3/contenttype/forms">
-  <Display>DocumentLibraryForm</Display>
-  <Edit>DocumentLibraryForm</Edit>
-  <New>DocumentLibraryForm</New>
-</FormTemplates>
-</file>
-
-<file path=customXml/item3.xml><?xml version="1.0" encoding="utf-8"?>
 <p:properties xmlns:p="http://schemas.microsoft.com/office/2006/metadata/properties" xmlns:xsi="http://www.w3.org/2001/XMLSchema-instance" xmlns:pc="http://schemas.microsoft.com/office/infopath/2007/PartnerControls">
   <documentManagement>
     <TaxCatchAll xmlns="32e2c7cf-ce1e-48ea-a8a6-9e61056004ec" xsi:nil="true"/>
@@ -13327,14 +13411,49 @@
 </p:properties>
 </file>
 
+<file path=customXml/item3.xml><?xml version="1.0" encoding="utf-8"?>
+<?mso-contentType ?>
+<FormTemplates xmlns="http://schemas.microsoft.com/sharepoint/v3/contenttype/forms">
+  <Display>DocumentLibraryForm</Display>
+  <Edit>DocumentLibraryForm</Edit>
+  <New>DocumentLibraryForm</New>
+</FormTemplates>
+</file>
+
 <file path=customXml/itemProps1.xml><?xml version="1.0" encoding="utf-8"?>
-<ds:datastoreItem xmlns:ds="http://schemas.openxmlformats.org/officeDocument/2006/customXml" ds:itemID="{41E74019-76DD-43CE-A1EC-34F6355A75A0}"/>
+<ds:datastoreItem xmlns:ds="http://schemas.openxmlformats.org/officeDocument/2006/customXml" ds:itemID="{41E74019-76DD-43CE-A1EC-34F6355A75A0}">
+  <ds:schemaRefs>
+    <ds:schemaRef ds:uri="http://schemas.microsoft.com/office/2006/metadata/contentType"/>
+    <ds:schemaRef ds:uri="http://schemas.microsoft.com/office/2006/metadata/properties/metaAttributes"/>
+    <ds:schemaRef ds:uri="http://www.w3.org/2001/XMLSchema"/>
+    <ds:schemaRef ds:uri="http://schemas.microsoft.com/office/2006/metadata/properties"/>
+    <ds:schemaRef ds:uri="ed842582-1cbd-44c4-8918-7b1de14440a1"/>
+    <ds:schemaRef ds:uri="32e2c7cf-ce1e-48ea-a8a6-9e61056004ec"/>
+    <ds:schemaRef ds:uri="http://schemas.microsoft.com/office/2006/documentManagement/types"/>
+    <ds:schemaRef ds:uri="http://schemas.microsoft.com/office/infopath/2007/PartnerControls"/>
+    <ds:schemaRef ds:uri="http://schemas.openxmlformats.org/package/2006/metadata/core-properties"/>
+    <ds:schemaRef ds:uri="http://purl.org/dc/elements/1.1/"/>
+    <ds:schemaRef ds:uri="http://purl.org/dc/terms/"/>
+    <ds:schemaRef ds:uri="http://schemas.microsoft.com/internal/obd"/>
+  </ds:schemaRefs>
+</ds:datastoreItem>
 </file>
 
 <file path=customXml/itemProps2.xml><?xml version="1.0" encoding="utf-8"?>
-<ds:datastoreItem xmlns:ds="http://schemas.openxmlformats.org/officeDocument/2006/customXml" ds:itemID="{A1AB3BEF-00DF-4B35-8BA3-60A04F81DB23}"/>
+<ds:datastoreItem xmlns:ds="http://schemas.openxmlformats.org/officeDocument/2006/customXml" ds:itemID="{E673BBE9-FA7C-42BB-AECB-E5C10B615634}">
+  <ds:schemaRefs>
+    <ds:schemaRef ds:uri="http://schemas.microsoft.com/office/2006/metadata/properties"/>
+    <ds:schemaRef ds:uri="http://schemas.microsoft.com/office/infopath/2007/PartnerControls"/>
+    <ds:schemaRef ds:uri="32e2c7cf-ce1e-48ea-a8a6-9e61056004ec"/>
+    <ds:schemaRef ds:uri="ed842582-1cbd-44c4-8918-7b1de14440a1"/>
+  </ds:schemaRefs>
+</ds:datastoreItem>
 </file>
 
 <file path=customXml/itemProps3.xml><?xml version="1.0" encoding="utf-8"?>
-<ds:datastoreItem xmlns:ds="http://schemas.openxmlformats.org/officeDocument/2006/customXml" ds:itemID="{E673BBE9-FA7C-42BB-AECB-E5C10B615634}"/>
+<ds:datastoreItem xmlns:ds="http://schemas.openxmlformats.org/officeDocument/2006/customXml" ds:itemID="{A1AB3BEF-00DF-4B35-8BA3-60A04F81DB23}">
+  <ds:schemaRefs>
+    <ds:schemaRef ds:uri="http://schemas.microsoft.com/sharepoint/v3/contenttype/forms"/>
+  </ds:schemaRefs>
+</ds:datastoreItem>
 </file>